--- a/Hadoop Webinar - Session 4 (Pig & Pig Latin).pptx
+++ b/Hadoop Webinar - Session 4 (Pig & Pig Latin).pptx
@@ -5732,8 +5732,12 @@
               <a:t>PIG </a:t>
             </a:r>
             <a:r>
-              <a:rPr lang="en-US" sz="2400" smtClean="0"/>
-              <a:t>latin </a:t>
+              <a:rPr lang="en-US" sz="2400" dirty="0" err="1" smtClean="0"/>
+              <a:t>latin</a:t>
+            </a:r>
+            <a:r>
+              <a:rPr lang="en-US" sz="2400" dirty="0" smtClean="0"/>
+              <a:t> </a:t>
             </a:r>
             <a:r>
               <a:rPr lang="en-US" sz="2400" dirty="0" smtClean="0"/>
